--- a/Demo/UOM_239327K.pptx
+++ b/Demo/UOM_239327K.pptx
@@ -5,10 +5,10 @@
     <p:sldMasterId id="2147483648" r:id="rId1"/>
   </p:sldMasterIdLst>
   <p:notesMasterIdLst>
-    <p:notesMasterId r:id="rId17"/>
+    <p:notesMasterId r:id="rId19"/>
   </p:notesMasterIdLst>
   <p:handoutMasterIdLst>
-    <p:handoutMasterId r:id="rId18"/>
+    <p:handoutMasterId r:id="rId20"/>
   </p:handoutMasterIdLst>
   <p:sldIdLst>
     <p:sldId id="256" r:id="rId2"/>
@@ -17,15 +17,17 @@
     <p:sldId id="264" r:id="rId5"/>
     <p:sldId id="265" r:id="rId6"/>
     <p:sldId id="266" r:id="rId7"/>
-    <p:sldId id="267" r:id="rId8"/>
-    <p:sldId id="268" r:id="rId9"/>
-    <p:sldId id="269" r:id="rId10"/>
-    <p:sldId id="270" r:id="rId11"/>
-    <p:sldId id="262" r:id="rId12"/>
-    <p:sldId id="259" r:id="rId13"/>
-    <p:sldId id="261" r:id="rId14"/>
-    <p:sldId id="263" r:id="rId15"/>
-    <p:sldId id="260" r:id="rId16"/>
+    <p:sldId id="271" r:id="rId8"/>
+    <p:sldId id="272" r:id="rId9"/>
+    <p:sldId id="267" r:id="rId10"/>
+    <p:sldId id="268" r:id="rId11"/>
+    <p:sldId id="269" r:id="rId12"/>
+    <p:sldId id="270" r:id="rId13"/>
+    <p:sldId id="262" r:id="rId14"/>
+    <p:sldId id="259" r:id="rId15"/>
+    <p:sldId id="261" r:id="rId16"/>
+    <p:sldId id="263" r:id="rId17"/>
+    <p:sldId id="260" r:id="rId18"/>
   </p:sldIdLst>
   <p:sldSz cx="12192000" cy="6858000"/>
   <p:notesSz cx="6858000" cy="9144000"/>
@@ -3015,7 +3017,7 @@
     </p:spTree>
     <p:extLst>
       <p:ext uri="{BB962C8B-B14F-4D97-AF65-F5344CB8AC3E}">
-        <p14:creationId xmlns:p14="http://schemas.microsoft.com/office/powerpoint/2010/main" val="3190634451"/>
+        <p14:creationId xmlns:p14="http://schemas.microsoft.com/office/powerpoint/2010/main" val="1920218358"/>
       </p:ext>
     </p:extLst>
   </p:cSld>
@@ -3099,7 +3101,7 @@
     </p:spTree>
     <p:extLst>
       <p:ext uri="{BB962C8B-B14F-4D97-AF65-F5344CB8AC3E}">
-        <p14:creationId xmlns:p14="http://schemas.microsoft.com/office/powerpoint/2010/main" val="852049673"/>
+        <p14:creationId xmlns:p14="http://schemas.microsoft.com/office/powerpoint/2010/main" val="1325536598"/>
       </p:ext>
     </p:extLst>
   </p:cSld>
@@ -3153,10 +3155,7 @@
           <a:bodyPr/>
           <a:lstStyle/>
           <a:p>
-            <a:r>
-              <a:rPr lang="en-US" dirty="0"/>
-              <a:t>Although spark has lesser elapsed time compared to MapReduce, this data doesn’t show a clear pattern to arrive at a proper conclusion</a:t>
-            </a:r>
+            <a:endParaRPr lang="en-US" dirty="0"/>
           </a:p>
         </p:txBody>
       </p:sp>
@@ -3186,7 +3185,7 @@
     </p:spTree>
     <p:extLst>
       <p:ext uri="{BB962C8B-B14F-4D97-AF65-F5344CB8AC3E}">
-        <p14:creationId xmlns:p14="http://schemas.microsoft.com/office/powerpoint/2010/main" val="780208255"/>
+        <p14:creationId xmlns:p14="http://schemas.microsoft.com/office/powerpoint/2010/main" val="3190634451"/>
       </p:ext>
     </p:extLst>
   </p:cSld>
@@ -3240,10 +3239,7 @@
           <a:bodyPr/>
           <a:lstStyle/>
           <a:p>
-            <a:r>
-              <a:rPr lang="en-US" dirty="0"/>
-              <a:t>Carrier delay query execution has taken more time in both Spark as well as MapReduce and generally Spark-SQL queries are faster than HQL.</a:t>
-            </a:r>
+            <a:endParaRPr lang="en-US" dirty="0"/>
           </a:p>
         </p:txBody>
       </p:sp>
@@ -3273,7 +3269,7 @@
     </p:spTree>
     <p:extLst>
       <p:ext uri="{BB962C8B-B14F-4D97-AF65-F5344CB8AC3E}">
-        <p14:creationId xmlns:p14="http://schemas.microsoft.com/office/powerpoint/2010/main" val="706242120"/>
+        <p14:creationId xmlns:p14="http://schemas.microsoft.com/office/powerpoint/2010/main" val="852049673"/>
       </p:ext>
     </p:extLst>
   </p:cSld>
@@ -3327,7 +3323,10 @@
           <a:bodyPr/>
           <a:lstStyle/>
           <a:p>
-            <a:endParaRPr lang="en-US" dirty="0"/>
+            <a:r>
+              <a:rPr lang="en-US" dirty="0"/>
+              <a:t>Although spark has lesser elapsed time compared to MapReduce, this data doesn’t show a clear pattern to arrive at a proper conclusion</a:t>
+            </a:r>
           </a:p>
         </p:txBody>
       </p:sp>
@@ -3357,7 +3356,7 @@
     </p:spTree>
     <p:extLst>
       <p:ext uri="{BB962C8B-B14F-4D97-AF65-F5344CB8AC3E}">
-        <p14:creationId xmlns:p14="http://schemas.microsoft.com/office/powerpoint/2010/main" val="65912880"/>
+        <p14:creationId xmlns:p14="http://schemas.microsoft.com/office/powerpoint/2010/main" val="780208255"/>
       </p:ext>
     </p:extLst>
   </p:cSld>
@@ -3411,7 +3410,10 @@
           <a:bodyPr/>
           <a:lstStyle/>
           <a:p>
-            <a:endParaRPr lang="en-US" dirty="0"/>
+            <a:r>
+              <a:rPr lang="en-US" dirty="0"/>
+              <a:t>Carrier delay query execution has taken more time in both Spark as well as MapReduce and generally Spark-SQL queries are faster than HQL.</a:t>
+            </a:r>
           </a:p>
         </p:txBody>
       </p:sp>
@@ -3433,6 +3435,174 @@
             <a:fld id="{8D421764-4A09-4C5E-A3C0-D8584CE4AAE0}" type="slidenum">
               <a:rPr lang="en-US" smtClean="0"/>
               <a:t>15</a:t>
+            </a:fld>
+            <a:endParaRPr lang="en-US"/>
+          </a:p>
+        </p:txBody>
+      </p:sp>
+    </p:spTree>
+    <p:extLst>
+      <p:ext uri="{BB962C8B-B14F-4D97-AF65-F5344CB8AC3E}">
+        <p14:creationId xmlns:p14="http://schemas.microsoft.com/office/powerpoint/2010/main" val="706242120"/>
+      </p:ext>
+    </p:extLst>
+  </p:cSld>
+  <p:clrMapOvr>
+    <a:masterClrMapping/>
+  </p:clrMapOvr>
+</p:notes>
+</file>
+
+<file path=ppt/notesSlides/notesSlide16.xml><?xml version="1.0" encoding="utf-8"?>
+<p:notes xmlns:a="http://schemas.openxmlformats.org/drawingml/2006/main" xmlns:r="http://schemas.openxmlformats.org/officeDocument/2006/relationships" xmlns:p="http://schemas.openxmlformats.org/presentationml/2006/main">
+  <p:cSld>
+    <p:spTree>
+      <p:nvGrpSpPr>
+        <p:cNvPr id="1" name=""/>
+        <p:cNvGrpSpPr/>
+        <p:nvPr/>
+      </p:nvGrpSpPr>
+      <p:grpSpPr>
+        <a:xfrm>
+          <a:off x="0" y="0"/>
+          <a:ext cx="0" cy="0"/>
+          <a:chOff x="0" y="0"/>
+          <a:chExt cx="0" cy="0"/>
+        </a:xfrm>
+      </p:grpSpPr>
+      <p:sp>
+        <p:nvSpPr>
+          <p:cNvPr id="2" name="Slide Image Placeholder 1"/>
+          <p:cNvSpPr>
+            <a:spLocks noGrp="1" noRot="1" noChangeAspect="1"/>
+          </p:cNvSpPr>
+          <p:nvPr>
+            <p:ph type="sldImg"/>
+          </p:nvPr>
+        </p:nvSpPr>
+        <p:spPr/>
+      </p:sp>
+      <p:sp>
+        <p:nvSpPr>
+          <p:cNvPr id="3" name="Notes Placeholder 2"/>
+          <p:cNvSpPr>
+            <a:spLocks noGrp="1"/>
+          </p:cNvSpPr>
+          <p:nvPr>
+            <p:ph type="body" idx="1"/>
+          </p:nvPr>
+        </p:nvSpPr>
+        <p:spPr/>
+        <p:txBody>
+          <a:bodyPr/>
+          <a:lstStyle/>
+          <a:p>
+            <a:endParaRPr lang="en-US" dirty="0"/>
+          </a:p>
+        </p:txBody>
+      </p:sp>
+      <p:sp>
+        <p:nvSpPr>
+          <p:cNvPr id="4" name="Slide Number Placeholder 3"/>
+          <p:cNvSpPr>
+            <a:spLocks noGrp="1"/>
+          </p:cNvSpPr>
+          <p:nvPr>
+            <p:ph type="sldNum" sz="quarter" idx="5"/>
+          </p:nvPr>
+        </p:nvSpPr>
+        <p:spPr/>
+        <p:txBody>
+          <a:bodyPr/>
+          <a:lstStyle/>
+          <a:p>
+            <a:fld id="{8D421764-4A09-4C5E-A3C0-D8584CE4AAE0}" type="slidenum">
+              <a:rPr lang="en-US" smtClean="0"/>
+              <a:t>16</a:t>
+            </a:fld>
+            <a:endParaRPr lang="en-US"/>
+          </a:p>
+        </p:txBody>
+      </p:sp>
+    </p:spTree>
+    <p:extLst>
+      <p:ext uri="{BB962C8B-B14F-4D97-AF65-F5344CB8AC3E}">
+        <p14:creationId xmlns:p14="http://schemas.microsoft.com/office/powerpoint/2010/main" val="65912880"/>
+      </p:ext>
+    </p:extLst>
+  </p:cSld>
+  <p:clrMapOvr>
+    <a:masterClrMapping/>
+  </p:clrMapOvr>
+</p:notes>
+</file>
+
+<file path=ppt/notesSlides/notesSlide17.xml><?xml version="1.0" encoding="utf-8"?>
+<p:notes xmlns:a="http://schemas.openxmlformats.org/drawingml/2006/main" xmlns:r="http://schemas.openxmlformats.org/officeDocument/2006/relationships" xmlns:p="http://schemas.openxmlformats.org/presentationml/2006/main">
+  <p:cSld>
+    <p:spTree>
+      <p:nvGrpSpPr>
+        <p:cNvPr id="1" name=""/>
+        <p:cNvGrpSpPr/>
+        <p:nvPr/>
+      </p:nvGrpSpPr>
+      <p:grpSpPr>
+        <a:xfrm>
+          <a:off x="0" y="0"/>
+          <a:ext cx="0" cy="0"/>
+          <a:chOff x="0" y="0"/>
+          <a:chExt cx="0" cy="0"/>
+        </a:xfrm>
+      </p:grpSpPr>
+      <p:sp>
+        <p:nvSpPr>
+          <p:cNvPr id="2" name="Slide Image Placeholder 1"/>
+          <p:cNvSpPr>
+            <a:spLocks noGrp="1" noRot="1" noChangeAspect="1"/>
+          </p:cNvSpPr>
+          <p:nvPr>
+            <p:ph type="sldImg"/>
+          </p:nvPr>
+        </p:nvSpPr>
+        <p:spPr/>
+      </p:sp>
+      <p:sp>
+        <p:nvSpPr>
+          <p:cNvPr id="3" name="Notes Placeholder 2"/>
+          <p:cNvSpPr>
+            <a:spLocks noGrp="1"/>
+          </p:cNvSpPr>
+          <p:nvPr>
+            <p:ph type="body" idx="1"/>
+          </p:nvPr>
+        </p:nvSpPr>
+        <p:spPr/>
+        <p:txBody>
+          <a:bodyPr/>
+          <a:lstStyle/>
+          <a:p>
+            <a:endParaRPr lang="en-US" dirty="0"/>
+          </a:p>
+        </p:txBody>
+      </p:sp>
+      <p:sp>
+        <p:nvSpPr>
+          <p:cNvPr id="4" name="Slide Number Placeholder 3"/>
+          <p:cNvSpPr>
+            <a:spLocks noGrp="1"/>
+          </p:cNvSpPr>
+          <p:nvPr>
+            <p:ph type="sldNum" sz="quarter" idx="5"/>
+          </p:nvPr>
+        </p:nvSpPr>
+        <p:spPr/>
+        <p:txBody>
+          <a:bodyPr/>
+          <a:lstStyle/>
+          <a:p>
+            <a:fld id="{8D421764-4A09-4C5E-A3C0-D8584CE4AAE0}" type="slidenum">
+              <a:rPr lang="en-US" smtClean="0"/>
+              <a:t>17</a:t>
             </a:fld>
             <a:endParaRPr lang="en-US"/>
           </a:p>
@@ -4017,7 +4187,7 @@
     </p:spTree>
     <p:extLst>
       <p:ext uri="{BB962C8B-B14F-4D97-AF65-F5344CB8AC3E}">
-        <p14:creationId xmlns:p14="http://schemas.microsoft.com/office/powerpoint/2010/main" val="2228209085"/>
+        <p14:creationId xmlns:p14="http://schemas.microsoft.com/office/powerpoint/2010/main" val="3898479150"/>
       </p:ext>
     </p:extLst>
   </p:cSld>
@@ -4101,7 +4271,7 @@
     </p:spTree>
     <p:extLst>
       <p:ext uri="{BB962C8B-B14F-4D97-AF65-F5344CB8AC3E}">
-        <p14:creationId xmlns:p14="http://schemas.microsoft.com/office/powerpoint/2010/main" val="1920218358"/>
+        <p14:creationId xmlns:p14="http://schemas.microsoft.com/office/powerpoint/2010/main" val="4056588212"/>
       </p:ext>
     </p:extLst>
   </p:cSld>
@@ -4185,7 +4355,7 @@
     </p:spTree>
     <p:extLst>
       <p:ext uri="{BB962C8B-B14F-4D97-AF65-F5344CB8AC3E}">
-        <p14:creationId xmlns:p14="http://schemas.microsoft.com/office/powerpoint/2010/main" val="1325536598"/>
+        <p14:creationId xmlns:p14="http://schemas.microsoft.com/office/powerpoint/2010/main" val="2228209085"/>
       </p:ext>
     </p:extLst>
   </p:cSld>
@@ -7664,6 +7834,342 @@
           <a:p>
             <a:r>
               <a:rPr lang="en-US" sz="4800" dirty="0"/>
+              <a:t>Jobs</a:t>
+            </a:r>
+          </a:p>
+        </p:txBody>
+      </p:sp>
+      <p:sp>
+        <p:nvSpPr>
+          <p:cNvPr id="3" name="Subtitle 2">
+            <a:extLst>
+              <a:ext uri="{FF2B5EF4-FFF2-40B4-BE49-F238E27FC236}">
+                <a16:creationId xmlns:a16="http://schemas.microsoft.com/office/drawing/2014/main" id="{BADBE15C-AD55-8CCE-B854-F8AE05B9A16A}"/>
+              </a:ext>
+            </a:extLst>
+          </p:cNvPr>
+          <p:cNvSpPr>
+            <a:spLocks noGrp="1"/>
+          </p:cNvSpPr>
+          <p:nvPr>
+            <p:ph type="subTitle" idx="1"/>
+          </p:nvPr>
+        </p:nvSpPr>
+        <p:spPr>
+          <a:xfrm>
+            <a:off x="601883" y="5647174"/>
+            <a:ext cx="11065397" cy="626304"/>
+          </a:xfrm>
+        </p:spPr>
+        <p:txBody>
+          <a:bodyPr>
+            <a:normAutofit/>
+          </a:bodyPr>
+          <a:lstStyle/>
+          <a:p>
+            <a:r>
+              <a:rPr lang="en-US" sz="1800" dirty="0"/>
+              <a:t>Dig 6: Spark cluster jobs</a:t>
+            </a:r>
+          </a:p>
+          <a:p>
+            <a:endParaRPr lang="en-US" sz="1800" dirty="0"/>
+          </a:p>
+        </p:txBody>
+      </p:sp>
+      <p:sp>
+        <p:nvSpPr>
+          <p:cNvPr id="5" name="Slide Number Placeholder 4">
+            <a:extLst>
+              <a:ext uri="{FF2B5EF4-FFF2-40B4-BE49-F238E27FC236}">
+                <a16:creationId xmlns:a16="http://schemas.microsoft.com/office/drawing/2014/main" id="{D33373B6-DC26-11FB-C261-723B153481E8}"/>
+              </a:ext>
+            </a:extLst>
+          </p:cNvPr>
+          <p:cNvSpPr>
+            <a:spLocks noGrp="1"/>
+          </p:cNvSpPr>
+          <p:nvPr>
+            <p:ph type="sldNum" sz="quarter" idx="12"/>
+          </p:nvPr>
+        </p:nvSpPr>
+        <p:spPr/>
+        <p:txBody>
+          <a:bodyPr/>
+          <a:lstStyle/>
+          <a:p>
+            <a:fld id="{B1C6DE71-DCB7-49A8-B0C0-762E286C9780}" type="slidenum">
+              <a:rPr lang="en-US" smtClean="0"/>
+              <a:t>10</a:t>
+            </a:fld>
+            <a:endParaRPr lang="en-US"/>
+          </a:p>
+        </p:txBody>
+      </p:sp>
+      <p:pic>
+        <p:nvPicPr>
+          <p:cNvPr id="7" name="Picture 6">
+            <a:extLst>
+              <a:ext uri="{FF2B5EF4-FFF2-40B4-BE49-F238E27FC236}">
+                <a16:creationId xmlns:a16="http://schemas.microsoft.com/office/drawing/2014/main" id="{91E9C741-075E-F754-FF1D-0ED84AB1D719}"/>
+              </a:ext>
+            </a:extLst>
+          </p:cNvPr>
+          <p:cNvPicPr>
+            <a:picLocks noChangeAspect="1"/>
+          </p:cNvPicPr>
+          <p:nvPr/>
+        </p:nvPicPr>
+        <p:blipFill>
+          <a:blip r:embed="rId3">
+            <a:extLst>
+              <a:ext uri="{28A0092B-C50C-407E-A947-70E740481C1C}">
+                <a14:useLocalDpi xmlns:a14="http://schemas.microsoft.com/office/drawing/2010/main" val="0"/>
+              </a:ext>
+            </a:extLst>
+          </a:blip>
+          <a:stretch>
+            <a:fillRect/>
+          </a:stretch>
+        </p:blipFill>
+        <p:spPr>
+          <a:xfrm>
+            <a:off x="1060284" y="1215588"/>
+            <a:ext cx="10293516" cy="4217254"/>
+          </a:xfrm>
+          <a:prstGeom prst="rect">
+            <a:avLst/>
+          </a:prstGeom>
+        </p:spPr>
+      </p:pic>
+    </p:spTree>
+    <p:extLst>
+      <p:ext uri="{BB962C8B-B14F-4D97-AF65-F5344CB8AC3E}">
+        <p14:creationId xmlns:p14="http://schemas.microsoft.com/office/powerpoint/2010/main" val="2788758796"/>
+      </p:ext>
+    </p:extLst>
+  </p:cSld>
+  <p:clrMapOvr>
+    <a:masterClrMapping/>
+  </p:clrMapOvr>
+</p:sld>
+</file>
+
+<file path=ppt/slides/slide11.xml><?xml version="1.0" encoding="utf-8"?>
+<p:sld xmlns:a="http://schemas.openxmlformats.org/drawingml/2006/main" xmlns:r="http://schemas.openxmlformats.org/officeDocument/2006/relationships" xmlns:p="http://schemas.openxmlformats.org/presentationml/2006/main">
+  <p:cSld>
+    <p:spTree>
+      <p:nvGrpSpPr>
+        <p:cNvPr id="1" name=""/>
+        <p:cNvGrpSpPr/>
+        <p:nvPr/>
+      </p:nvGrpSpPr>
+      <p:grpSpPr>
+        <a:xfrm>
+          <a:off x="0" y="0"/>
+          <a:ext cx="0" cy="0"/>
+          <a:chOff x="0" y="0"/>
+          <a:chExt cx="0" cy="0"/>
+        </a:xfrm>
+      </p:grpSpPr>
+      <p:sp>
+        <p:nvSpPr>
+          <p:cNvPr id="2" name="Title 1">
+            <a:extLst>
+              <a:ext uri="{FF2B5EF4-FFF2-40B4-BE49-F238E27FC236}">
+                <a16:creationId xmlns:a16="http://schemas.microsoft.com/office/drawing/2014/main" id="{40ACD7EA-65C5-B9F9-AA56-A5B216396A81}"/>
+              </a:ext>
+            </a:extLst>
+          </p:cNvPr>
+          <p:cNvSpPr>
+            <a:spLocks noGrp="1"/>
+          </p:cNvSpPr>
+          <p:nvPr>
+            <p:ph type="ctrTitle"/>
+          </p:nvPr>
+        </p:nvSpPr>
+        <p:spPr>
+          <a:xfrm>
+            <a:off x="1524000" y="315187"/>
+            <a:ext cx="9144000" cy="900401"/>
+          </a:xfrm>
+        </p:spPr>
+        <p:txBody>
+          <a:bodyPr>
+            <a:normAutofit/>
+          </a:bodyPr>
+          <a:lstStyle/>
+          <a:p>
+            <a:r>
+              <a:rPr lang="en-US" sz="4800" dirty="0"/>
+              <a:t>Output</a:t>
+            </a:r>
+          </a:p>
+        </p:txBody>
+      </p:sp>
+      <p:sp>
+        <p:nvSpPr>
+          <p:cNvPr id="3" name="Subtitle 2">
+            <a:extLst>
+              <a:ext uri="{FF2B5EF4-FFF2-40B4-BE49-F238E27FC236}">
+                <a16:creationId xmlns:a16="http://schemas.microsoft.com/office/drawing/2014/main" id="{BADBE15C-AD55-8CCE-B854-F8AE05B9A16A}"/>
+              </a:ext>
+            </a:extLst>
+          </p:cNvPr>
+          <p:cNvSpPr>
+            <a:spLocks noGrp="1"/>
+          </p:cNvSpPr>
+          <p:nvPr>
+            <p:ph type="subTitle" idx="1"/>
+          </p:nvPr>
+        </p:nvSpPr>
+        <p:spPr>
+          <a:xfrm>
+            <a:off x="601883" y="5647174"/>
+            <a:ext cx="11065397" cy="626304"/>
+          </a:xfrm>
+        </p:spPr>
+        <p:txBody>
+          <a:bodyPr>
+            <a:normAutofit/>
+          </a:bodyPr>
+          <a:lstStyle/>
+          <a:p>
+            <a:r>
+              <a:rPr lang="en-US" sz="1800" dirty="0"/>
+              <a:t>Dig 7: MapReduce cluster output</a:t>
+            </a:r>
+          </a:p>
+          <a:p>
+            <a:endParaRPr lang="en-US" sz="1800" dirty="0"/>
+          </a:p>
+        </p:txBody>
+      </p:sp>
+      <p:sp>
+        <p:nvSpPr>
+          <p:cNvPr id="5" name="Slide Number Placeholder 4">
+            <a:extLst>
+              <a:ext uri="{FF2B5EF4-FFF2-40B4-BE49-F238E27FC236}">
+                <a16:creationId xmlns:a16="http://schemas.microsoft.com/office/drawing/2014/main" id="{D33373B6-DC26-11FB-C261-723B153481E8}"/>
+              </a:ext>
+            </a:extLst>
+          </p:cNvPr>
+          <p:cNvSpPr>
+            <a:spLocks noGrp="1"/>
+          </p:cNvSpPr>
+          <p:nvPr>
+            <p:ph type="sldNum" sz="quarter" idx="12"/>
+          </p:nvPr>
+        </p:nvSpPr>
+        <p:spPr/>
+        <p:txBody>
+          <a:bodyPr/>
+          <a:lstStyle/>
+          <a:p>
+            <a:fld id="{B1C6DE71-DCB7-49A8-B0C0-762E286C9780}" type="slidenum">
+              <a:rPr lang="en-US" smtClean="0"/>
+              <a:t>11</a:t>
+            </a:fld>
+            <a:endParaRPr lang="en-US"/>
+          </a:p>
+        </p:txBody>
+      </p:sp>
+      <p:pic>
+        <p:nvPicPr>
+          <p:cNvPr id="6" name="Picture 5">
+            <a:extLst>
+              <a:ext uri="{FF2B5EF4-FFF2-40B4-BE49-F238E27FC236}">
+                <a16:creationId xmlns:a16="http://schemas.microsoft.com/office/drawing/2014/main" id="{678216AB-3F06-211F-8C33-B30BA1C8EE76}"/>
+              </a:ext>
+            </a:extLst>
+          </p:cNvPr>
+          <p:cNvPicPr>
+            <a:picLocks noChangeAspect="1"/>
+          </p:cNvPicPr>
+          <p:nvPr/>
+        </p:nvPicPr>
+        <p:blipFill>
+          <a:blip r:embed="rId3">
+            <a:extLst>
+              <a:ext uri="{28A0092B-C50C-407E-A947-70E740481C1C}">
+                <a14:useLocalDpi xmlns:a14="http://schemas.microsoft.com/office/drawing/2010/main" val="0"/>
+              </a:ext>
+            </a:extLst>
+          </a:blip>
+          <a:stretch>
+            <a:fillRect/>
+          </a:stretch>
+        </p:blipFill>
+        <p:spPr>
+          <a:xfrm>
+            <a:off x="870651" y="1436250"/>
+            <a:ext cx="10527859" cy="3985499"/>
+          </a:xfrm>
+          <a:prstGeom prst="rect">
+            <a:avLst/>
+          </a:prstGeom>
+        </p:spPr>
+      </p:pic>
+    </p:spTree>
+    <p:extLst>
+      <p:ext uri="{BB962C8B-B14F-4D97-AF65-F5344CB8AC3E}">
+        <p14:creationId xmlns:p14="http://schemas.microsoft.com/office/powerpoint/2010/main" val="1467575045"/>
+      </p:ext>
+    </p:extLst>
+  </p:cSld>
+  <p:clrMapOvr>
+    <a:masterClrMapping/>
+  </p:clrMapOvr>
+</p:sld>
+</file>
+
+<file path=ppt/slides/slide12.xml><?xml version="1.0" encoding="utf-8"?>
+<p:sld xmlns:a="http://schemas.openxmlformats.org/drawingml/2006/main" xmlns:r="http://schemas.openxmlformats.org/officeDocument/2006/relationships" xmlns:p="http://schemas.openxmlformats.org/presentationml/2006/main">
+  <p:cSld>
+    <p:spTree>
+      <p:nvGrpSpPr>
+        <p:cNvPr id="1" name=""/>
+        <p:cNvGrpSpPr/>
+        <p:nvPr/>
+      </p:nvGrpSpPr>
+      <p:grpSpPr>
+        <a:xfrm>
+          <a:off x="0" y="0"/>
+          <a:ext cx="0" cy="0"/>
+          <a:chOff x="0" y="0"/>
+          <a:chExt cx="0" cy="0"/>
+        </a:xfrm>
+      </p:grpSpPr>
+      <p:sp>
+        <p:nvSpPr>
+          <p:cNvPr id="2" name="Title 1">
+            <a:extLst>
+              <a:ext uri="{FF2B5EF4-FFF2-40B4-BE49-F238E27FC236}">
+                <a16:creationId xmlns:a16="http://schemas.microsoft.com/office/drawing/2014/main" id="{40ACD7EA-65C5-B9F9-AA56-A5B216396A81}"/>
+              </a:ext>
+            </a:extLst>
+          </p:cNvPr>
+          <p:cNvSpPr>
+            <a:spLocks noGrp="1"/>
+          </p:cNvSpPr>
+          <p:nvPr>
+            <p:ph type="ctrTitle"/>
+          </p:nvPr>
+        </p:nvSpPr>
+        <p:spPr>
+          <a:xfrm>
+            <a:off x="1524000" y="315187"/>
+            <a:ext cx="9144000" cy="900401"/>
+          </a:xfrm>
+        </p:spPr>
+        <p:txBody>
+          <a:bodyPr>
+            <a:normAutofit/>
+          </a:bodyPr>
+          <a:lstStyle/>
+          <a:p>
+            <a:r>
+              <a:rPr lang="en-US" sz="4800" dirty="0"/>
               <a:t>Output </a:t>
             </a:r>
           </a:p>
@@ -7699,13 +8205,8 @@
           <a:p>
             <a:r>
               <a:rPr lang="en-US" sz="1800" dirty="0"/>
-              <a:t>Dig 6: Spark </a:t>
-            </a:r>
-            <a:r>
-              <a:rPr lang="en-US" sz="1800"/>
-              <a:t>cluster output</a:t>
-            </a:r>
-            <a:endParaRPr lang="en-US" sz="1800" dirty="0"/>
+              <a:t>Dig 8: Spark cluster output</a:t>
+            </a:r>
           </a:p>
           <a:p>
             <a:endParaRPr lang="en-US" sz="1800" dirty="0"/>
@@ -7735,7 +8236,7 @@
           <a:p>
             <a:fld id="{B1C6DE71-DCB7-49A8-B0C0-762E286C9780}" type="slidenum">
               <a:rPr lang="en-US" smtClean="0"/>
-              <a:t>10</a:t>
+              <a:t>12</a:t>
             </a:fld>
             <a:endParaRPr lang="en-US"/>
           </a:p>
@@ -7790,7 +8291,7 @@
 </p:sld>
 </file>
 
-<file path=ppt/slides/slide11.xml><?xml version="1.0" encoding="utf-8"?>
+<file path=ppt/slides/slide13.xml><?xml version="1.0" encoding="utf-8"?>
 <p:sld xmlns:a="http://schemas.openxmlformats.org/drawingml/2006/main" xmlns:r="http://schemas.openxmlformats.org/officeDocument/2006/relationships" xmlns:p="http://schemas.openxmlformats.org/presentationml/2006/main">
   <p:cSld>
     <p:spTree>
@@ -7865,7 +8366,7 @@
           <a:p>
             <a:fld id="{B1C6DE71-DCB7-49A8-B0C0-762E286C9780}" type="slidenum">
               <a:rPr lang="en-US" smtClean="0"/>
-              <a:t>11</a:t>
+              <a:t>13</a:t>
             </a:fld>
             <a:endParaRPr lang="en-US"/>
           </a:p>
@@ -8132,324 +8633,6 @@
 </p:sld>
 </file>
 
-<file path=ppt/slides/slide12.xml><?xml version="1.0" encoding="utf-8"?>
-<p:sld xmlns:a="http://schemas.openxmlformats.org/drawingml/2006/main" xmlns:r="http://schemas.openxmlformats.org/officeDocument/2006/relationships" xmlns:p="http://schemas.openxmlformats.org/presentationml/2006/main">
-  <p:cSld>
-    <p:spTree>
-      <p:nvGrpSpPr>
-        <p:cNvPr id="1" name=""/>
-        <p:cNvGrpSpPr/>
-        <p:nvPr/>
-      </p:nvGrpSpPr>
-      <p:grpSpPr>
-        <a:xfrm>
-          <a:off x="0" y="0"/>
-          <a:ext cx="0" cy="0"/>
-          <a:chOff x="0" y="0"/>
-          <a:chExt cx="0" cy="0"/>
-        </a:xfrm>
-      </p:grpSpPr>
-      <p:sp>
-        <p:nvSpPr>
-          <p:cNvPr id="2" name="Title 1">
-            <a:extLst>
-              <a:ext uri="{FF2B5EF4-FFF2-40B4-BE49-F238E27FC236}">
-                <a16:creationId xmlns:a16="http://schemas.microsoft.com/office/drawing/2014/main" id="{40ACD7EA-65C5-B9F9-AA56-A5B216396A81}"/>
-              </a:ext>
-            </a:extLst>
-          </p:cNvPr>
-          <p:cNvSpPr>
-            <a:spLocks noGrp="1"/>
-          </p:cNvSpPr>
-          <p:nvPr>
-            <p:ph type="ctrTitle"/>
-          </p:nvPr>
-        </p:nvSpPr>
-        <p:spPr>
-          <a:xfrm>
-            <a:off x="1524000" y="315187"/>
-            <a:ext cx="9144000" cy="900401"/>
-          </a:xfrm>
-        </p:spPr>
-        <p:txBody>
-          <a:bodyPr>
-            <a:normAutofit fontScale="90000"/>
-          </a:bodyPr>
-          <a:lstStyle/>
-          <a:p>
-            <a:r>
-              <a:rPr lang="en-US" dirty="0"/>
-              <a:t>Conclusion</a:t>
-            </a:r>
-          </a:p>
-        </p:txBody>
-      </p:sp>
-      <p:graphicFrame>
-        <p:nvGraphicFramePr>
-          <p:cNvPr id="6" name="Chart 5">
-            <a:extLst>
-              <a:ext uri="{FF2B5EF4-FFF2-40B4-BE49-F238E27FC236}">
-                <a16:creationId xmlns:a16="http://schemas.microsoft.com/office/drawing/2014/main" id="{577B9EF2-85EA-1301-B930-E9CAD2DA3EFB}"/>
-              </a:ext>
-            </a:extLst>
-          </p:cNvPr>
-          <p:cNvGraphicFramePr>
-            <a:graphicFrameLocks/>
-          </p:cNvGraphicFramePr>
-          <p:nvPr>
-            <p:extLst>
-              <p:ext uri="{D42A27DB-BD31-4B8C-83A1-F6EECF244321}">
-                <p14:modId xmlns:p14="http://schemas.microsoft.com/office/powerpoint/2010/main" val="2938502579"/>
-              </p:ext>
-            </p:extLst>
-          </p:nvPr>
-        </p:nvGraphicFramePr>
-        <p:xfrm>
-          <a:off x="2377198" y="1697260"/>
-          <a:ext cx="7252407" cy="3889095"/>
-        </p:xfrm>
-        <a:graphic>
-          <a:graphicData uri="http://schemas.openxmlformats.org/drawingml/2006/chart">
-            <c:chart xmlns:c="http://schemas.openxmlformats.org/drawingml/2006/chart" xmlns:r="http://schemas.openxmlformats.org/officeDocument/2006/relationships" r:id="rId3"/>
-          </a:graphicData>
-        </a:graphic>
-      </p:graphicFrame>
-      <p:sp>
-        <p:nvSpPr>
-          <p:cNvPr id="7" name="TextBox 6">
-            <a:extLst>
-              <a:ext uri="{FF2B5EF4-FFF2-40B4-BE49-F238E27FC236}">
-                <a16:creationId xmlns:a16="http://schemas.microsoft.com/office/drawing/2014/main" id="{8FCDD6C4-4535-1B10-CAB5-3AA69875974A}"/>
-              </a:ext>
-            </a:extLst>
-          </p:cNvPr>
-          <p:cNvSpPr txBox="1"/>
-          <p:nvPr/>
-        </p:nvSpPr>
-        <p:spPr>
-          <a:xfrm>
-            <a:off x="3182506" y="5701588"/>
-            <a:ext cx="6447099" cy="369332"/>
-          </a:xfrm>
-          <a:prstGeom prst="rect">
-            <a:avLst/>
-          </a:prstGeom>
-          <a:noFill/>
-        </p:spPr>
-        <p:txBody>
-          <a:bodyPr wrap="square" rtlCol="0">
-            <a:spAutoFit/>
-          </a:bodyPr>
-          <a:lstStyle/>
-          <a:p>
-            <a:r>
-              <a:rPr lang="en-US" dirty="0"/>
-              <a:t>Dig 1: Query execution time vs iteration for Carrier Delay</a:t>
-            </a:r>
-          </a:p>
-        </p:txBody>
-      </p:sp>
-      <p:sp>
-        <p:nvSpPr>
-          <p:cNvPr id="9" name="Slide Number Placeholder 8">
-            <a:extLst>
-              <a:ext uri="{FF2B5EF4-FFF2-40B4-BE49-F238E27FC236}">
-                <a16:creationId xmlns:a16="http://schemas.microsoft.com/office/drawing/2014/main" id="{4CB30306-39AA-F38A-BFF1-40C565622585}"/>
-              </a:ext>
-            </a:extLst>
-          </p:cNvPr>
-          <p:cNvSpPr>
-            <a:spLocks noGrp="1"/>
-          </p:cNvSpPr>
-          <p:nvPr>
-            <p:ph type="sldNum" sz="quarter" idx="12"/>
-          </p:nvPr>
-        </p:nvSpPr>
-        <p:spPr/>
-        <p:txBody>
-          <a:bodyPr/>
-          <a:lstStyle/>
-          <a:p>
-            <a:fld id="{B1C6DE71-DCB7-49A8-B0C0-762E286C9780}" type="slidenum">
-              <a:rPr lang="en-US" smtClean="0"/>
-              <a:t>12</a:t>
-            </a:fld>
-            <a:endParaRPr lang="en-US"/>
-          </a:p>
-        </p:txBody>
-      </p:sp>
-    </p:spTree>
-    <p:extLst>
-      <p:ext uri="{BB962C8B-B14F-4D97-AF65-F5344CB8AC3E}">
-        <p14:creationId xmlns:p14="http://schemas.microsoft.com/office/powerpoint/2010/main" val="2531240186"/>
-      </p:ext>
-    </p:extLst>
-  </p:cSld>
-  <p:clrMapOvr>
-    <a:masterClrMapping/>
-  </p:clrMapOvr>
-</p:sld>
-</file>
-
-<file path=ppt/slides/slide13.xml><?xml version="1.0" encoding="utf-8"?>
-<p:sld xmlns:a="http://schemas.openxmlformats.org/drawingml/2006/main" xmlns:r="http://schemas.openxmlformats.org/officeDocument/2006/relationships" xmlns:p="http://schemas.openxmlformats.org/presentationml/2006/main">
-  <p:cSld>
-    <p:spTree>
-      <p:nvGrpSpPr>
-        <p:cNvPr id="1" name=""/>
-        <p:cNvGrpSpPr/>
-        <p:nvPr/>
-      </p:nvGrpSpPr>
-      <p:grpSpPr>
-        <a:xfrm>
-          <a:off x="0" y="0"/>
-          <a:ext cx="0" cy="0"/>
-          <a:chOff x="0" y="0"/>
-          <a:chExt cx="0" cy="0"/>
-        </a:xfrm>
-      </p:grpSpPr>
-      <p:sp>
-        <p:nvSpPr>
-          <p:cNvPr id="2" name="Title 1">
-            <a:extLst>
-              <a:ext uri="{FF2B5EF4-FFF2-40B4-BE49-F238E27FC236}">
-                <a16:creationId xmlns:a16="http://schemas.microsoft.com/office/drawing/2014/main" id="{40ACD7EA-65C5-B9F9-AA56-A5B216396A81}"/>
-              </a:ext>
-            </a:extLst>
-          </p:cNvPr>
-          <p:cNvSpPr>
-            <a:spLocks noGrp="1"/>
-          </p:cNvSpPr>
-          <p:nvPr>
-            <p:ph type="ctrTitle"/>
-          </p:nvPr>
-        </p:nvSpPr>
-        <p:spPr>
-          <a:xfrm>
-            <a:off x="1524000" y="315187"/>
-            <a:ext cx="9144000" cy="900401"/>
-          </a:xfrm>
-        </p:spPr>
-        <p:txBody>
-          <a:bodyPr>
-            <a:normAutofit fontScale="90000"/>
-          </a:bodyPr>
-          <a:lstStyle/>
-          <a:p>
-            <a:r>
-              <a:rPr lang="en-US" dirty="0"/>
-              <a:t>Conclusion</a:t>
-            </a:r>
-          </a:p>
-        </p:txBody>
-      </p:sp>
-      <p:graphicFrame>
-        <p:nvGraphicFramePr>
-          <p:cNvPr id="3" name="Chart 2">
-            <a:extLst>
-              <a:ext uri="{FF2B5EF4-FFF2-40B4-BE49-F238E27FC236}">
-                <a16:creationId xmlns:a16="http://schemas.microsoft.com/office/drawing/2014/main" id="{5AB4B7A6-1E6C-9C6A-1BC5-2618913CAD71}"/>
-              </a:ext>
-            </a:extLst>
-          </p:cNvPr>
-          <p:cNvGraphicFramePr>
-            <a:graphicFrameLocks/>
-          </p:cNvGraphicFramePr>
-          <p:nvPr>
-            <p:extLst>
-              <p:ext uri="{D42A27DB-BD31-4B8C-83A1-F6EECF244321}">
-                <p14:modId xmlns:p14="http://schemas.microsoft.com/office/powerpoint/2010/main" val="326619141"/>
-              </p:ext>
-            </p:extLst>
-          </p:nvPr>
-        </p:nvGraphicFramePr>
-        <p:xfrm>
-          <a:off x="2745129" y="1756457"/>
-          <a:ext cx="6701742" cy="3784923"/>
-        </p:xfrm>
-        <a:graphic>
-          <a:graphicData uri="http://schemas.openxmlformats.org/drawingml/2006/chart">
-            <c:chart xmlns:c="http://schemas.openxmlformats.org/drawingml/2006/chart" xmlns:r="http://schemas.openxmlformats.org/officeDocument/2006/relationships" r:id="rId3"/>
-          </a:graphicData>
-        </a:graphic>
-      </p:graphicFrame>
-      <p:sp>
-        <p:nvSpPr>
-          <p:cNvPr id="5" name="TextBox 4">
-            <a:extLst>
-              <a:ext uri="{FF2B5EF4-FFF2-40B4-BE49-F238E27FC236}">
-                <a16:creationId xmlns:a16="http://schemas.microsoft.com/office/drawing/2014/main" id="{6A0FF9C6-ECA4-2674-D1EF-500944117569}"/>
-              </a:ext>
-            </a:extLst>
-          </p:cNvPr>
-          <p:cNvSpPr txBox="1"/>
-          <p:nvPr/>
-        </p:nvSpPr>
-        <p:spPr>
-          <a:xfrm>
-            <a:off x="3889094" y="5683170"/>
-            <a:ext cx="4361835" cy="369332"/>
-          </a:xfrm>
-          <a:prstGeom prst="rect">
-            <a:avLst/>
-          </a:prstGeom>
-          <a:noFill/>
-        </p:spPr>
-        <p:txBody>
-          <a:bodyPr wrap="none" rtlCol="0">
-            <a:spAutoFit/>
-          </a:bodyPr>
-          <a:lstStyle/>
-          <a:p>
-            <a:r>
-              <a:rPr lang="en-US" dirty="0"/>
-              <a:t>Dig 2: Query execution time vs type of query</a:t>
-            </a:r>
-          </a:p>
-        </p:txBody>
-      </p:sp>
-      <p:sp>
-        <p:nvSpPr>
-          <p:cNvPr id="8" name="Slide Number Placeholder 7">
-            <a:extLst>
-              <a:ext uri="{FF2B5EF4-FFF2-40B4-BE49-F238E27FC236}">
-                <a16:creationId xmlns:a16="http://schemas.microsoft.com/office/drawing/2014/main" id="{31D6BBB5-46B2-65B6-8501-832A6B223704}"/>
-              </a:ext>
-            </a:extLst>
-          </p:cNvPr>
-          <p:cNvSpPr>
-            <a:spLocks noGrp="1"/>
-          </p:cNvSpPr>
-          <p:nvPr>
-            <p:ph type="sldNum" sz="quarter" idx="12"/>
-          </p:nvPr>
-        </p:nvSpPr>
-        <p:spPr/>
-        <p:txBody>
-          <a:bodyPr/>
-          <a:lstStyle/>
-          <a:p>
-            <a:fld id="{B1C6DE71-DCB7-49A8-B0C0-762E286C9780}" type="slidenum">
-              <a:rPr lang="en-US" smtClean="0"/>
-              <a:t>13</a:t>
-            </a:fld>
-            <a:endParaRPr lang="en-US"/>
-          </a:p>
-        </p:txBody>
-      </p:sp>
-    </p:spTree>
-    <p:extLst>
-      <p:ext uri="{BB962C8B-B14F-4D97-AF65-F5344CB8AC3E}">
-        <p14:creationId xmlns:p14="http://schemas.microsoft.com/office/powerpoint/2010/main" val="1380181177"/>
-      </p:ext>
-    </p:extLst>
-  </p:cSld>
-  <p:clrMapOvr>
-    <a:masterClrMapping/>
-  </p:clrMapOvr>
-</p:sld>
-</file>
-
 <file path=ppt/slides/slide14.xml><?xml version="1.0" encoding="utf-8"?>
 <p:sld xmlns:a="http://schemas.openxmlformats.org/drawingml/2006/main" xmlns:r="http://schemas.openxmlformats.org/officeDocument/2006/relationships" xmlns:p="http://schemas.openxmlformats.org/presentationml/2006/main">
   <p:cSld>
@@ -8502,41 +8685,42 @@
           </a:p>
         </p:txBody>
       </p:sp>
-      <p:sp>
-        <p:nvSpPr>
-          <p:cNvPr id="8" name="Slide Number Placeholder 7">
-            <a:extLst>
-              <a:ext uri="{FF2B5EF4-FFF2-40B4-BE49-F238E27FC236}">
-                <a16:creationId xmlns:a16="http://schemas.microsoft.com/office/drawing/2014/main" id="{31D6BBB5-46B2-65B6-8501-832A6B223704}"/>
-              </a:ext>
-            </a:extLst>
-          </p:cNvPr>
-          <p:cNvSpPr>
-            <a:spLocks noGrp="1"/>
-          </p:cNvSpPr>
-          <p:nvPr>
-            <p:ph type="sldNum" sz="quarter" idx="12"/>
-          </p:nvPr>
-        </p:nvSpPr>
-        <p:spPr/>
-        <p:txBody>
-          <a:bodyPr/>
-          <a:lstStyle/>
-          <a:p>
-            <a:fld id="{B1C6DE71-DCB7-49A8-B0C0-762E286C9780}" type="slidenum">
-              <a:rPr lang="en-US" smtClean="0"/>
-              <a:t>14</a:t>
-            </a:fld>
-            <a:endParaRPr lang="en-US"/>
-          </a:p>
-        </p:txBody>
-      </p:sp>
-      <p:sp>
-        <p:nvSpPr>
-          <p:cNvPr id="4" name="TextBox 3">
-            <a:extLst>
-              <a:ext uri="{FF2B5EF4-FFF2-40B4-BE49-F238E27FC236}">
-                <a16:creationId xmlns:a16="http://schemas.microsoft.com/office/drawing/2014/main" id="{9BAF2DBD-1B87-A4E4-2CED-04C5155A1721}"/>
+      <p:graphicFrame>
+        <p:nvGraphicFramePr>
+          <p:cNvPr id="6" name="Chart 5">
+            <a:extLst>
+              <a:ext uri="{FF2B5EF4-FFF2-40B4-BE49-F238E27FC236}">
+                <a16:creationId xmlns:a16="http://schemas.microsoft.com/office/drawing/2014/main" id="{577B9EF2-85EA-1301-B930-E9CAD2DA3EFB}"/>
+              </a:ext>
+            </a:extLst>
+          </p:cNvPr>
+          <p:cNvGraphicFramePr>
+            <a:graphicFrameLocks/>
+          </p:cNvGraphicFramePr>
+          <p:nvPr>
+            <p:extLst>
+              <p:ext uri="{D42A27DB-BD31-4B8C-83A1-F6EECF244321}">
+                <p14:modId xmlns:p14="http://schemas.microsoft.com/office/powerpoint/2010/main" val="2938502579"/>
+              </p:ext>
+            </p:extLst>
+          </p:nvPr>
+        </p:nvGraphicFramePr>
+        <p:xfrm>
+          <a:off x="2377198" y="1697260"/>
+          <a:ext cx="7252407" cy="3889095"/>
+        </p:xfrm>
+        <a:graphic>
+          <a:graphicData uri="http://schemas.openxmlformats.org/drawingml/2006/chart">
+            <c:chart xmlns:c="http://schemas.openxmlformats.org/drawingml/2006/chart" xmlns:r="http://schemas.openxmlformats.org/officeDocument/2006/relationships" r:id="rId3"/>
+          </a:graphicData>
+        </a:graphic>
+      </p:graphicFrame>
+      <p:sp>
+        <p:nvSpPr>
+          <p:cNvPr id="7" name="TextBox 6">
+            <a:extLst>
+              <a:ext uri="{FF2B5EF4-FFF2-40B4-BE49-F238E27FC236}">
+                <a16:creationId xmlns:a16="http://schemas.microsoft.com/office/drawing/2014/main" id="{8FCDD6C4-4535-1B10-CAB5-3AA69875974A}"/>
               </a:ext>
             </a:extLst>
           </p:cNvPr>
@@ -8545,8 +8729,8 @@
         </p:nvSpPr>
         <p:spPr>
           <a:xfrm>
-            <a:off x="2247418" y="1859339"/>
-            <a:ext cx="7697163" cy="3139321"/>
+            <a:off x="3182506" y="5701588"/>
+            <a:ext cx="6447099" cy="369332"/>
           </a:xfrm>
           <a:prstGeom prst="rect">
             <a:avLst/>
@@ -8559,91 +8743,46 @@
           </a:bodyPr>
           <a:lstStyle/>
           <a:p>
-            <a:pPr marL="285750" indent="-285750">
-              <a:buFont typeface="Arial" panose="020B0604020202020204" pitchFamily="34" charset="0"/>
-              <a:buChar char="•"/>
-            </a:pPr>
             <a:r>
               <a:rPr lang="en-US" dirty="0"/>
-              <a:t>Spark-SQL queries process </a:t>
-            </a:r>
-            <a:r>
-              <a:rPr lang="en-US" b="1" dirty="0"/>
-              <a:t>faster</a:t>
-            </a:r>
-            <a:r>
-              <a:rPr lang="en-US" dirty="0"/>
-              <a:t> compared to Hive queries because spark uses </a:t>
-            </a:r>
-            <a:r>
-              <a:rPr lang="en-US" b="1" dirty="0"/>
-              <a:t>in-memory</a:t>
-            </a:r>
-            <a:r>
-              <a:rPr lang="en-US" dirty="0"/>
-              <a:t> data processing.</a:t>
-            </a:r>
-          </a:p>
-          <a:p>
-            <a:pPr marL="285750" indent="-285750">
-              <a:buFont typeface="Arial" panose="020B0604020202020204" pitchFamily="34" charset="0"/>
-              <a:buChar char="•"/>
-            </a:pPr>
-            <a:endParaRPr lang="en-US" dirty="0"/>
-          </a:p>
-          <a:p>
-            <a:endParaRPr lang="en-US" dirty="0"/>
-          </a:p>
-          <a:p>
-            <a:pPr marL="285750" indent="-285750">
-              <a:buFont typeface="Arial" panose="020B0604020202020204" pitchFamily="34" charset="0"/>
-              <a:buChar char="•"/>
-            </a:pPr>
-            <a:r>
-              <a:rPr lang="en-US" dirty="0"/>
-              <a:t>Running the same query more times in both frameworks </a:t>
-            </a:r>
-            <a:r>
-              <a:rPr lang="en-US" b="1" dirty="0"/>
-              <a:t>didn’t produce clear patterns.</a:t>
-            </a:r>
-          </a:p>
-          <a:p>
-            <a:pPr marL="285750" indent="-285750">
-              <a:buFont typeface="Arial" panose="020B0604020202020204" pitchFamily="34" charset="0"/>
-              <a:buChar char="•"/>
-            </a:pPr>
-            <a:endParaRPr lang="en-US" b="1" dirty="0"/>
-          </a:p>
-          <a:p>
-            <a:endParaRPr lang="en-US" b="1" dirty="0"/>
-          </a:p>
-          <a:p>
-            <a:pPr marL="285750" indent="-285750">
-              <a:buFont typeface="Arial" panose="020B0604020202020204" pitchFamily="34" charset="0"/>
-              <a:buChar char="•"/>
-            </a:pPr>
-            <a:r>
-              <a:rPr lang="en-US" dirty="0"/>
-              <a:t>Extraction, loading and processing data is easier with spark.</a:t>
-            </a:r>
-          </a:p>
-          <a:p>
-            <a:pPr marL="285750" indent="-285750">
-              <a:buFont typeface="Arial" panose="020B0604020202020204" pitchFamily="34" charset="0"/>
-              <a:buChar char="•"/>
-            </a:pPr>
-            <a:endParaRPr lang="en-US" dirty="0"/>
-          </a:p>
-          <a:p>
-            <a:endParaRPr lang="en-US" dirty="0"/>
+              <a:t>Dig 9: Query execution time vs iteration for Carrier Delay</a:t>
+            </a:r>
+          </a:p>
+        </p:txBody>
+      </p:sp>
+      <p:sp>
+        <p:nvSpPr>
+          <p:cNvPr id="9" name="Slide Number Placeholder 8">
+            <a:extLst>
+              <a:ext uri="{FF2B5EF4-FFF2-40B4-BE49-F238E27FC236}">
+                <a16:creationId xmlns:a16="http://schemas.microsoft.com/office/drawing/2014/main" id="{4CB30306-39AA-F38A-BFF1-40C565622585}"/>
+              </a:ext>
+            </a:extLst>
+          </p:cNvPr>
+          <p:cNvSpPr>
+            <a:spLocks noGrp="1"/>
+          </p:cNvSpPr>
+          <p:nvPr>
+            <p:ph type="sldNum" sz="quarter" idx="12"/>
+          </p:nvPr>
+        </p:nvSpPr>
+        <p:spPr/>
+        <p:txBody>
+          <a:bodyPr/>
+          <a:lstStyle/>
+          <a:p>
+            <a:fld id="{B1C6DE71-DCB7-49A8-B0C0-762E286C9780}" type="slidenum">
+              <a:rPr lang="en-US" smtClean="0"/>
+              <a:t>14</a:t>
+            </a:fld>
+            <a:endParaRPr lang="en-US"/>
           </a:p>
         </p:txBody>
       </p:sp>
     </p:spTree>
     <p:extLst>
       <p:ext uri="{BB962C8B-B14F-4D97-AF65-F5344CB8AC3E}">
-        <p14:creationId xmlns:p14="http://schemas.microsoft.com/office/powerpoint/2010/main" val="3271415032"/>
+        <p14:creationId xmlns:p14="http://schemas.microsoft.com/office/powerpoint/2010/main" val="2531240186"/>
       </p:ext>
     </p:extLst>
   </p:cSld>
@@ -8688,6 +8827,368 @@
         </p:nvSpPr>
         <p:spPr>
           <a:xfrm>
+            <a:off x="1524000" y="315187"/>
+            <a:ext cx="9144000" cy="900401"/>
+          </a:xfrm>
+        </p:spPr>
+        <p:txBody>
+          <a:bodyPr>
+            <a:normAutofit fontScale="90000"/>
+          </a:bodyPr>
+          <a:lstStyle/>
+          <a:p>
+            <a:r>
+              <a:rPr lang="en-US" dirty="0"/>
+              <a:t>Conclusion</a:t>
+            </a:r>
+          </a:p>
+        </p:txBody>
+      </p:sp>
+      <p:graphicFrame>
+        <p:nvGraphicFramePr>
+          <p:cNvPr id="3" name="Chart 2">
+            <a:extLst>
+              <a:ext uri="{FF2B5EF4-FFF2-40B4-BE49-F238E27FC236}">
+                <a16:creationId xmlns:a16="http://schemas.microsoft.com/office/drawing/2014/main" id="{5AB4B7A6-1E6C-9C6A-1BC5-2618913CAD71}"/>
+              </a:ext>
+            </a:extLst>
+          </p:cNvPr>
+          <p:cNvGraphicFramePr>
+            <a:graphicFrameLocks/>
+          </p:cNvGraphicFramePr>
+          <p:nvPr>
+            <p:extLst>
+              <p:ext uri="{D42A27DB-BD31-4B8C-83A1-F6EECF244321}">
+                <p14:modId xmlns:p14="http://schemas.microsoft.com/office/powerpoint/2010/main" val="326619141"/>
+              </p:ext>
+            </p:extLst>
+          </p:nvPr>
+        </p:nvGraphicFramePr>
+        <p:xfrm>
+          <a:off x="2745129" y="1756457"/>
+          <a:ext cx="6701742" cy="3784923"/>
+        </p:xfrm>
+        <a:graphic>
+          <a:graphicData uri="http://schemas.openxmlformats.org/drawingml/2006/chart">
+            <c:chart xmlns:c="http://schemas.openxmlformats.org/drawingml/2006/chart" xmlns:r="http://schemas.openxmlformats.org/officeDocument/2006/relationships" r:id="rId3"/>
+          </a:graphicData>
+        </a:graphic>
+      </p:graphicFrame>
+      <p:sp>
+        <p:nvSpPr>
+          <p:cNvPr id="5" name="TextBox 4">
+            <a:extLst>
+              <a:ext uri="{FF2B5EF4-FFF2-40B4-BE49-F238E27FC236}">
+                <a16:creationId xmlns:a16="http://schemas.microsoft.com/office/drawing/2014/main" id="{6A0FF9C6-ECA4-2674-D1EF-500944117569}"/>
+              </a:ext>
+            </a:extLst>
+          </p:cNvPr>
+          <p:cNvSpPr txBox="1"/>
+          <p:nvPr/>
+        </p:nvSpPr>
+        <p:spPr>
+          <a:xfrm>
+            <a:off x="3889094" y="5683170"/>
+            <a:ext cx="4478855" cy="369332"/>
+          </a:xfrm>
+          <a:prstGeom prst="rect">
+            <a:avLst/>
+          </a:prstGeom>
+          <a:noFill/>
+        </p:spPr>
+        <p:txBody>
+          <a:bodyPr wrap="none" rtlCol="0">
+            <a:spAutoFit/>
+          </a:bodyPr>
+          <a:lstStyle/>
+          <a:p>
+            <a:r>
+              <a:rPr lang="en-US" dirty="0"/>
+              <a:t>Dig 10: Query execution time vs type of query</a:t>
+            </a:r>
+          </a:p>
+        </p:txBody>
+      </p:sp>
+      <p:sp>
+        <p:nvSpPr>
+          <p:cNvPr id="8" name="Slide Number Placeholder 7">
+            <a:extLst>
+              <a:ext uri="{FF2B5EF4-FFF2-40B4-BE49-F238E27FC236}">
+                <a16:creationId xmlns:a16="http://schemas.microsoft.com/office/drawing/2014/main" id="{31D6BBB5-46B2-65B6-8501-832A6B223704}"/>
+              </a:ext>
+            </a:extLst>
+          </p:cNvPr>
+          <p:cNvSpPr>
+            <a:spLocks noGrp="1"/>
+          </p:cNvSpPr>
+          <p:nvPr>
+            <p:ph type="sldNum" sz="quarter" idx="12"/>
+          </p:nvPr>
+        </p:nvSpPr>
+        <p:spPr/>
+        <p:txBody>
+          <a:bodyPr/>
+          <a:lstStyle/>
+          <a:p>
+            <a:fld id="{B1C6DE71-DCB7-49A8-B0C0-762E286C9780}" type="slidenum">
+              <a:rPr lang="en-US" smtClean="0"/>
+              <a:t>15</a:t>
+            </a:fld>
+            <a:endParaRPr lang="en-US"/>
+          </a:p>
+        </p:txBody>
+      </p:sp>
+    </p:spTree>
+    <p:extLst>
+      <p:ext uri="{BB962C8B-B14F-4D97-AF65-F5344CB8AC3E}">
+        <p14:creationId xmlns:p14="http://schemas.microsoft.com/office/powerpoint/2010/main" val="1380181177"/>
+      </p:ext>
+    </p:extLst>
+  </p:cSld>
+  <p:clrMapOvr>
+    <a:masterClrMapping/>
+  </p:clrMapOvr>
+</p:sld>
+</file>
+
+<file path=ppt/slides/slide16.xml><?xml version="1.0" encoding="utf-8"?>
+<p:sld xmlns:a="http://schemas.openxmlformats.org/drawingml/2006/main" xmlns:r="http://schemas.openxmlformats.org/officeDocument/2006/relationships" xmlns:p="http://schemas.openxmlformats.org/presentationml/2006/main">
+  <p:cSld>
+    <p:spTree>
+      <p:nvGrpSpPr>
+        <p:cNvPr id="1" name=""/>
+        <p:cNvGrpSpPr/>
+        <p:nvPr/>
+      </p:nvGrpSpPr>
+      <p:grpSpPr>
+        <a:xfrm>
+          <a:off x="0" y="0"/>
+          <a:ext cx="0" cy="0"/>
+          <a:chOff x="0" y="0"/>
+          <a:chExt cx="0" cy="0"/>
+        </a:xfrm>
+      </p:grpSpPr>
+      <p:sp>
+        <p:nvSpPr>
+          <p:cNvPr id="2" name="Title 1">
+            <a:extLst>
+              <a:ext uri="{FF2B5EF4-FFF2-40B4-BE49-F238E27FC236}">
+                <a16:creationId xmlns:a16="http://schemas.microsoft.com/office/drawing/2014/main" id="{40ACD7EA-65C5-B9F9-AA56-A5B216396A81}"/>
+              </a:ext>
+            </a:extLst>
+          </p:cNvPr>
+          <p:cNvSpPr>
+            <a:spLocks noGrp="1"/>
+          </p:cNvSpPr>
+          <p:nvPr>
+            <p:ph type="ctrTitle"/>
+          </p:nvPr>
+        </p:nvSpPr>
+        <p:spPr>
+          <a:xfrm>
+            <a:off x="1524000" y="315187"/>
+            <a:ext cx="9144000" cy="900401"/>
+          </a:xfrm>
+        </p:spPr>
+        <p:txBody>
+          <a:bodyPr>
+            <a:normAutofit fontScale="90000"/>
+          </a:bodyPr>
+          <a:lstStyle/>
+          <a:p>
+            <a:r>
+              <a:rPr lang="en-US" dirty="0"/>
+              <a:t>Conclusion</a:t>
+            </a:r>
+          </a:p>
+        </p:txBody>
+      </p:sp>
+      <p:sp>
+        <p:nvSpPr>
+          <p:cNvPr id="8" name="Slide Number Placeholder 7">
+            <a:extLst>
+              <a:ext uri="{FF2B5EF4-FFF2-40B4-BE49-F238E27FC236}">
+                <a16:creationId xmlns:a16="http://schemas.microsoft.com/office/drawing/2014/main" id="{31D6BBB5-46B2-65B6-8501-832A6B223704}"/>
+              </a:ext>
+            </a:extLst>
+          </p:cNvPr>
+          <p:cNvSpPr>
+            <a:spLocks noGrp="1"/>
+          </p:cNvSpPr>
+          <p:nvPr>
+            <p:ph type="sldNum" sz="quarter" idx="12"/>
+          </p:nvPr>
+        </p:nvSpPr>
+        <p:spPr/>
+        <p:txBody>
+          <a:bodyPr/>
+          <a:lstStyle/>
+          <a:p>
+            <a:fld id="{B1C6DE71-DCB7-49A8-B0C0-762E286C9780}" type="slidenum">
+              <a:rPr lang="en-US" smtClean="0"/>
+              <a:t>16</a:t>
+            </a:fld>
+            <a:endParaRPr lang="en-US"/>
+          </a:p>
+        </p:txBody>
+      </p:sp>
+      <p:sp>
+        <p:nvSpPr>
+          <p:cNvPr id="4" name="TextBox 3">
+            <a:extLst>
+              <a:ext uri="{FF2B5EF4-FFF2-40B4-BE49-F238E27FC236}">
+                <a16:creationId xmlns:a16="http://schemas.microsoft.com/office/drawing/2014/main" id="{9BAF2DBD-1B87-A4E4-2CED-04C5155A1721}"/>
+              </a:ext>
+            </a:extLst>
+          </p:cNvPr>
+          <p:cNvSpPr txBox="1"/>
+          <p:nvPr/>
+        </p:nvSpPr>
+        <p:spPr>
+          <a:xfrm>
+            <a:off x="2247418" y="1859339"/>
+            <a:ext cx="7697163" cy="3139321"/>
+          </a:xfrm>
+          <a:prstGeom prst="rect">
+            <a:avLst/>
+          </a:prstGeom>
+          <a:noFill/>
+        </p:spPr>
+        <p:txBody>
+          <a:bodyPr wrap="square" rtlCol="0">
+            <a:spAutoFit/>
+          </a:bodyPr>
+          <a:lstStyle/>
+          <a:p>
+            <a:pPr marL="285750" indent="-285750">
+              <a:buFont typeface="Arial" panose="020B0604020202020204" pitchFamily="34" charset="0"/>
+              <a:buChar char="•"/>
+            </a:pPr>
+            <a:r>
+              <a:rPr lang="en-US" dirty="0"/>
+              <a:t>Spark-SQL queries process </a:t>
+            </a:r>
+            <a:r>
+              <a:rPr lang="en-US" b="1" dirty="0"/>
+              <a:t>faster</a:t>
+            </a:r>
+            <a:r>
+              <a:rPr lang="en-US" dirty="0"/>
+              <a:t> compared to Hive queries because spark uses </a:t>
+            </a:r>
+            <a:r>
+              <a:rPr lang="en-US" b="1" dirty="0"/>
+              <a:t>in-memory</a:t>
+            </a:r>
+            <a:r>
+              <a:rPr lang="en-US" dirty="0"/>
+              <a:t> data processing.</a:t>
+            </a:r>
+          </a:p>
+          <a:p>
+            <a:pPr marL="285750" indent="-285750">
+              <a:buFont typeface="Arial" panose="020B0604020202020204" pitchFamily="34" charset="0"/>
+              <a:buChar char="•"/>
+            </a:pPr>
+            <a:endParaRPr lang="en-US" dirty="0"/>
+          </a:p>
+          <a:p>
+            <a:endParaRPr lang="en-US" dirty="0"/>
+          </a:p>
+          <a:p>
+            <a:pPr marL="285750" indent="-285750">
+              <a:buFont typeface="Arial" panose="020B0604020202020204" pitchFamily="34" charset="0"/>
+              <a:buChar char="•"/>
+            </a:pPr>
+            <a:r>
+              <a:rPr lang="en-US" dirty="0"/>
+              <a:t>Running the same query more times in both frameworks </a:t>
+            </a:r>
+            <a:r>
+              <a:rPr lang="en-US" b="1" dirty="0"/>
+              <a:t>didn’t produce clear patterns.</a:t>
+            </a:r>
+          </a:p>
+          <a:p>
+            <a:pPr marL="285750" indent="-285750">
+              <a:buFont typeface="Arial" panose="020B0604020202020204" pitchFamily="34" charset="0"/>
+              <a:buChar char="•"/>
+            </a:pPr>
+            <a:endParaRPr lang="en-US" b="1" dirty="0"/>
+          </a:p>
+          <a:p>
+            <a:endParaRPr lang="en-US" b="1" dirty="0"/>
+          </a:p>
+          <a:p>
+            <a:pPr marL="285750" indent="-285750">
+              <a:buFont typeface="Arial" panose="020B0604020202020204" pitchFamily="34" charset="0"/>
+              <a:buChar char="•"/>
+            </a:pPr>
+            <a:r>
+              <a:rPr lang="en-US" dirty="0"/>
+              <a:t>Extraction, loading and processing data is easier with spark.</a:t>
+            </a:r>
+          </a:p>
+          <a:p>
+            <a:pPr marL="285750" indent="-285750">
+              <a:buFont typeface="Arial" panose="020B0604020202020204" pitchFamily="34" charset="0"/>
+              <a:buChar char="•"/>
+            </a:pPr>
+            <a:endParaRPr lang="en-US" dirty="0"/>
+          </a:p>
+          <a:p>
+            <a:endParaRPr lang="en-US" dirty="0"/>
+          </a:p>
+        </p:txBody>
+      </p:sp>
+    </p:spTree>
+    <p:extLst>
+      <p:ext uri="{BB962C8B-B14F-4D97-AF65-F5344CB8AC3E}">
+        <p14:creationId xmlns:p14="http://schemas.microsoft.com/office/powerpoint/2010/main" val="3271415032"/>
+      </p:ext>
+    </p:extLst>
+  </p:cSld>
+  <p:clrMapOvr>
+    <a:masterClrMapping/>
+  </p:clrMapOvr>
+</p:sld>
+</file>
+
+<file path=ppt/slides/slide17.xml><?xml version="1.0" encoding="utf-8"?>
+<p:sld xmlns:a="http://schemas.openxmlformats.org/drawingml/2006/main" xmlns:r="http://schemas.openxmlformats.org/officeDocument/2006/relationships" xmlns:p="http://schemas.openxmlformats.org/presentationml/2006/main">
+  <p:cSld>
+    <p:spTree>
+      <p:nvGrpSpPr>
+        <p:cNvPr id="1" name=""/>
+        <p:cNvGrpSpPr/>
+        <p:nvPr/>
+      </p:nvGrpSpPr>
+      <p:grpSpPr>
+        <a:xfrm>
+          <a:off x="0" y="0"/>
+          <a:ext cx="0" cy="0"/>
+          <a:chOff x="0" y="0"/>
+          <a:chExt cx="0" cy="0"/>
+        </a:xfrm>
+      </p:grpSpPr>
+      <p:sp>
+        <p:nvSpPr>
+          <p:cNvPr id="2" name="Title 1">
+            <a:extLst>
+              <a:ext uri="{FF2B5EF4-FFF2-40B4-BE49-F238E27FC236}">
+                <a16:creationId xmlns:a16="http://schemas.microsoft.com/office/drawing/2014/main" id="{40ACD7EA-65C5-B9F9-AA56-A5B216396A81}"/>
+              </a:ext>
+            </a:extLst>
+          </p:cNvPr>
+          <p:cNvSpPr>
+            <a:spLocks noGrp="1"/>
+          </p:cNvSpPr>
+          <p:nvPr>
+            <p:ph type="ctrTitle"/>
+          </p:nvPr>
+        </p:nvSpPr>
+        <p:spPr>
+          <a:xfrm>
             <a:off x="1431402" y="2978799"/>
             <a:ext cx="9144000" cy="900401"/>
           </a:xfrm>
@@ -8728,7 +9229,7 @@
           <a:p>
             <a:fld id="{B1C6DE71-DCB7-49A8-B0C0-762E286C9780}" type="slidenum">
               <a:rPr lang="en-US" smtClean="0"/>
-              <a:t>15</a:t>
+              <a:t>17</a:t>
             </a:fld>
             <a:endParaRPr lang="en-US"/>
           </a:p>
@@ -9766,7 +10267,7 @@
           <a:p>
             <a:r>
               <a:rPr lang="en-US" sz="4800" dirty="0"/>
-              <a:t>Jobs</a:t>
+              <a:t>Cluster Inputs</a:t>
             </a:r>
           </a:p>
         </p:txBody>
@@ -9801,7 +10302,7 @@
           <a:p>
             <a:r>
               <a:rPr lang="en-US" sz="1800" dirty="0"/>
-              <a:t>Dig 3: MapReduce cluster jobs</a:t>
+              <a:t>Dig 3: Hive Query</a:t>
             </a:r>
           </a:p>
           <a:p>
@@ -9843,7 +10344,7 @@
           <p:cNvPr id="7" name="Picture 6">
             <a:extLst>
               <a:ext uri="{FF2B5EF4-FFF2-40B4-BE49-F238E27FC236}">
-                <a16:creationId xmlns:a16="http://schemas.microsoft.com/office/drawing/2014/main" id="{5EA163E7-1CE7-393A-B1B3-79BA3C7D7FAF}"/>
+                <a16:creationId xmlns:a16="http://schemas.microsoft.com/office/drawing/2014/main" id="{CCEC41C1-4305-7565-4C53-3558B6171589}"/>
               </a:ext>
             </a:extLst>
           </p:cNvPr>
@@ -9853,21 +10354,15 @@
           <p:nvPr/>
         </p:nvPicPr>
         <p:blipFill>
-          <a:blip r:embed="rId3">
-            <a:extLst>
-              <a:ext uri="{28A0092B-C50C-407E-A947-70E740481C1C}">
-                <a14:useLocalDpi xmlns:a14="http://schemas.microsoft.com/office/drawing/2010/main" val="0"/>
-              </a:ext>
-            </a:extLst>
-          </a:blip>
+          <a:blip r:embed="rId3"/>
           <a:stretch>
             <a:fillRect/>
           </a:stretch>
         </p:blipFill>
         <p:spPr>
           <a:xfrm>
-            <a:off x="1332417" y="1065125"/>
-            <a:ext cx="9527165" cy="4179826"/>
+            <a:off x="3549649" y="1215588"/>
+            <a:ext cx="5092701" cy="4260638"/>
           </a:xfrm>
           <a:prstGeom prst="rect">
             <a:avLst/>
@@ -9877,7 +10372,7 @@
     </p:spTree>
     <p:extLst>
       <p:ext uri="{BB962C8B-B14F-4D97-AF65-F5344CB8AC3E}">
-        <p14:creationId xmlns:p14="http://schemas.microsoft.com/office/powerpoint/2010/main" val="904927465"/>
+        <p14:creationId xmlns:p14="http://schemas.microsoft.com/office/powerpoint/2010/main" val="2606569292"/>
       </p:ext>
     </p:extLst>
   </p:cSld>
@@ -9934,7 +10429,7 @@
           <a:p>
             <a:r>
               <a:rPr lang="en-US" sz="4800" dirty="0"/>
-              <a:t>Jobs</a:t>
+              <a:t>Cluster Inputs</a:t>
             </a:r>
           </a:p>
         </p:txBody>
@@ -9969,7 +10464,7 @@
           <a:p>
             <a:r>
               <a:rPr lang="en-US" sz="1800" dirty="0"/>
-              <a:t>Dig 4: Spark cluster jobs</a:t>
+              <a:t>Dig 4: Python script</a:t>
             </a:r>
           </a:p>
           <a:p>
@@ -10011,7 +10506,7 @@
           <p:cNvPr id="7" name="Picture 6">
             <a:extLst>
               <a:ext uri="{FF2B5EF4-FFF2-40B4-BE49-F238E27FC236}">
-                <a16:creationId xmlns:a16="http://schemas.microsoft.com/office/drawing/2014/main" id="{91E9C741-075E-F754-FF1D-0ED84AB1D719}"/>
+                <a16:creationId xmlns:a16="http://schemas.microsoft.com/office/drawing/2014/main" id="{530CDF43-77D8-F2D7-4008-93388093A3BE}"/>
               </a:ext>
             </a:extLst>
           </p:cNvPr>
@@ -10021,21 +10516,15 @@
           <p:nvPr/>
         </p:nvPicPr>
         <p:blipFill>
-          <a:blip r:embed="rId3">
-            <a:extLst>
-              <a:ext uri="{28A0092B-C50C-407E-A947-70E740481C1C}">
-                <a14:useLocalDpi xmlns:a14="http://schemas.microsoft.com/office/drawing/2010/main" val="0"/>
-              </a:ext>
-            </a:extLst>
-          </a:blip>
+          <a:blip r:embed="rId3"/>
           <a:stretch>
             <a:fillRect/>
           </a:stretch>
         </p:blipFill>
         <p:spPr>
           <a:xfrm>
-            <a:off x="1060284" y="1215588"/>
-            <a:ext cx="10293516" cy="4217254"/>
+            <a:off x="2495238" y="1420956"/>
+            <a:ext cx="7201524" cy="4016088"/>
           </a:xfrm>
           <a:prstGeom prst="rect">
             <a:avLst/>
@@ -10045,7 +10534,7 @@
     </p:spTree>
     <p:extLst>
       <p:ext uri="{BB962C8B-B14F-4D97-AF65-F5344CB8AC3E}">
-        <p14:creationId xmlns:p14="http://schemas.microsoft.com/office/powerpoint/2010/main" val="2788758796"/>
+        <p14:creationId xmlns:p14="http://schemas.microsoft.com/office/powerpoint/2010/main" val="1035372570"/>
       </p:ext>
     </p:extLst>
   </p:cSld>
@@ -10102,7 +10591,7 @@
           <a:p>
             <a:r>
               <a:rPr lang="en-US" sz="4800" dirty="0"/>
-              <a:t>Output</a:t>
+              <a:t>Jobs</a:t>
             </a:r>
           </a:p>
         </p:txBody>
@@ -10137,7 +10626,7 @@
           <a:p>
             <a:r>
               <a:rPr lang="en-US" sz="1800" dirty="0"/>
-              <a:t>Dig 5: MapReduce cluster output</a:t>
+              <a:t>Dig 5: MapReduce cluster jobs</a:t>
             </a:r>
           </a:p>
           <a:p>
@@ -10176,10 +10665,10 @@
       </p:sp>
       <p:pic>
         <p:nvPicPr>
-          <p:cNvPr id="6" name="Picture 5">
-            <a:extLst>
-              <a:ext uri="{FF2B5EF4-FFF2-40B4-BE49-F238E27FC236}">
-                <a16:creationId xmlns:a16="http://schemas.microsoft.com/office/drawing/2014/main" id="{678216AB-3F06-211F-8C33-B30BA1C8EE76}"/>
+          <p:cNvPr id="7" name="Picture 6">
+            <a:extLst>
+              <a:ext uri="{FF2B5EF4-FFF2-40B4-BE49-F238E27FC236}">
+                <a16:creationId xmlns:a16="http://schemas.microsoft.com/office/drawing/2014/main" id="{5EA163E7-1CE7-393A-B1B3-79BA3C7D7FAF}"/>
               </a:ext>
             </a:extLst>
           </p:cNvPr>
@@ -10202,8 +10691,8 @@
         </p:blipFill>
         <p:spPr>
           <a:xfrm>
-            <a:off x="870651" y="1436250"/>
-            <a:ext cx="10527859" cy="3985499"/>
+            <a:off x="1332417" y="1065125"/>
+            <a:ext cx="9527165" cy="4179826"/>
           </a:xfrm>
           <a:prstGeom prst="rect">
             <a:avLst/>
@@ -10213,7 +10702,7 @@
     </p:spTree>
     <p:extLst>
       <p:ext uri="{BB962C8B-B14F-4D97-AF65-F5344CB8AC3E}">
-        <p14:creationId xmlns:p14="http://schemas.microsoft.com/office/powerpoint/2010/main" val="1467575045"/>
+        <p14:creationId xmlns:p14="http://schemas.microsoft.com/office/powerpoint/2010/main" val="904927465"/>
       </p:ext>
     </p:extLst>
   </p:cSld>
